--- a/tutorial/T09/tut09.pptx
+++ b/tutorial/T09/tut09.pptx
@@ -8281,8 +8281,8 @@
           </a:p>
         </p:txBody>
       </p:sp>
-      <mc:AlternateContent xmlns:mc="http://schemas.openxmlformats.org/markup-compatibility/2006">
-        <mc:Choice xmlns:a14="http://schemas.microsoft.com/office/drawing/2010/main" Requires="a14">
+      <mc:AlternateContent xmlns:mc="http://schemas.openxmlformats.org/markup-compatibility/2006" xmlns:a14="http://schemas.microsoft.com/office/drawing/2010/main">
+        <mc:Choice Requires="a14">
           <p:sp>
             <p:nvSpPr>
               <p:cNvPr id="18" name="文本框 17">
@@ -8377,7 +8377,7 @@
             </p:txBody>
           </p:sp>
         </mc:Choice>
-        <mc:Fallback>
+        <mc:Fallback xmlns="">
           <p:sp>
             <p:nvSpPr>
               <p:cNvPr id="18" name="文本框 17">
@@ -8422,8 +8422,8 @@
           </p:sp>
         </mc:Fallback>
       </mc:AlternateContent>
-      <mc:AlternateContent xmlns:mc="http://schemas.openxmlformats.org/markup-compatibility/2006">
-        <mc:Choice xmlns:a14="http://schemas.microsoft.com/office/drawing/2010/main" Requires="a14">
+      <mc:AlternateContent xmlns:mc="http://schemas.openxmlformats.org/markup-compatibility/2006" xmlns:a14="http://schemas.microsoft.com/office/drawing/2010/main">
+        <mc:Choice Requires="a14">
           <p:sp>
             <p:nvSpPr>
               <p:cNvPr id="12" name="Content Placeholder 2">
@@ -8676,7 +8676,7 @@
             </p:txBody>
           </p:sp>
         </mc:Choice>
-        <mc:Fallback>
+        <mc:Fallback xmlns="">
           <p:sp>
             <p:nvSpPr>
               <p:cNvPr id="12" name="Content Placeholder 2">
@@ -10923,7 +10923,7 @@
         <p:spPr>
           <a:xfrm>
             <a:off x="5488614" y="5493076"/>
-            <a:ext cx="2829886" cy="450089"/>
+            <a:ext cx="4963486" cy="450089"/>
           </a:xfrm>
           <a:prstGeom prst="rect">
             <a:avLst/>
@@ -11043,7 +11043,7 @@
             </a:r>
             <a:r>
               <a:rPr lang="en-US" altLang="zh-CN" sz="2400" b="1" dirty="0"/>
-              <a:t>1000/8</a:t>
+              <a:t>125+1000/8</a:t>
             </a:r>
             <a:r>
               <a:rPr lang="zh-CN" altLang="en-US" sz="2400" b="1" dirty="0"/>
@@ -15219,7 +15219,7 @@
             </a:r>
             <a:r>
               <a:rPr lang="en-US" altLang="zh-CN" sz="2400" b="1" dirty="0"/>
-              <a:t>1</a:t>
+              <a:t>2</a:t>
             </a:r>
             <a:endParaRPr lang="en-US" altLang="zh-CN" sz="2000" b="1" dirty="0"/>
           </a:p>
@@ -17857,7 +17857,7 @@
             </a:r>
             <a:r>
               <a:rPr lang="en-US" altLang="zh-CN" sz="2400" b="1" dirty="0"/>
-              <a:t>1</a:t>
+              <a:t>3</a:t>
             </a:r>
             <a:endParaRPr lang="en-US" altLang="zh-CN" sz="2000" b="1" dirty="0"/>
           </a:p>
